--- a/Later/Exception/Exception_61/Java Exception Handling-Java Exception Handling Best Practices_Part3.pptx
+++ b/Later/Exception/Exception_61/Java Exception Handling-Java Exception Handling Best Practices_Part3.pptx
@@ -196,7 +196,7 @@
           <a:p>
             <a:fld id="{62274EC6-3890-417B-9308-14EFBD00FA63}" type="datetimeFigureOut">
               <a:rPr lang="en-US" smtClean="0"/>
-              <a:t>6/7/2016</a:t>
+              <a:t>6/8/2016</a:t>
             </a:fld>
             <a:endParaRPr lang="en-US" dirty="0"/>
           </a:p>
@@ -1091,7 +1091,7 @@
             <a:fld id="{1D8BD707-D9CF-40AE-B4C6-C98DA3205C09}" type="datetimeFigureOut">
               <a:rPr lang="en-US" smtClean="0"/>
               <a:pPr/>
-              <a:t>6/7/2016</a:t>
+              <a:t>6/8/2016</a:t>
             </a:fld>
             <a:endParaRPr lang="en-US" dirty="0"/>
           </a:p>
@@ -1263,7 +1263,7 @@
             <a:fld id="{1D8BD707-D9CF-40AE-B4C6-C98DA3205C09}" type="datetimeFigureOut">
               <a:rPr lang="en-US" smtClean="0"/>
               <a:pPr/>
-              <a:t>6/7/2016</a:t>
+              <a:t>6/8/2016</a:t>
             </a:fld>
             <a:endParaRPr lang="en-US" dirty="0"/>
           </a:p>
@@ -1445,7 +1445,7 @@
             <a:fld id="{1D8BD707-D9CF-40AE-B4C6-C98DA3205C09}" type="datetimeFigureOut">
               <a:rPr lang="en-US" smtClean="0"/>
               <a:pPr/>
-              <a:t>6/7/2016</a:t>
+              <a:t>6/8/2016</a:t>
             </a:fld>
             <a:endParaRPr lang="en-US" dirty="0"/>
           </a:p>
@@ -1617,7 +1617,7 @@
             <a:fld id="{1D8BD707-D9CF-40AE-B4C6-C98DA3205C09}" type="datetimeFigureOut">
               <a:rPr lang="en-US" smtClean="0"/>
               <a:pPr/>
-              <a:t>6/7/2016</a:t>
+              <a:t>6/8/2016</a:t>
             </a:fld>
             <a:endParaRPr lang="en-US" dirty="0"/>
           </a:p>
@@ -1865,7 +1865,7 @@
             <a:fld id="{1D8BD707-D9CF-40AE-B4C6-C98DA3205C09}" type="datetimeFigureOut">
               <a:rPr lang="en-US" smtClean="0"/>
               <a:pPr/>
-              <a:t>6/7/2016</a:t>
+              <a:t>6/8/2016</a:t>
             </a:fld>
             <a:endParaRPr lang="en-US" dirty="0"/>
           </a:p>
@@ -2155,7 +2155,7 @@
             <a:fld id="{1D8BD707-D9CF-40AE-B4C6-C98DA3205C09}" type="datetimeFigureOut">
               <a:rPr lang="en-US" smtClean="0"/>
               <a:pPr/>
-              <a:t>6/7/2016</a:t>
+              <a:t>6/8/2016</a:t>
             </a:fld>
             <a:endParaRPr lang="en-US" dirty="0"/>
           </a:p>
@@ -2584,7 +2584,7 @@
             <a:fld id="{1D8BD707-D9CF-40AE-B4C6-C98DA3205C09}" type="datetimeFigureOut">
               <a:rPr lang="en-US" smtClean="0"/>
               <a:pPr/>
-              <a:t>6/7/2016</a:t>
+              <a:t>6/8/2016</a:t>
             </a:fld>
             <a:endParaRPr lang="en-US" dirty="0"/>
           </a:p>
@@ -2704,7 +2704,7 @@
             <a:fld id="{1D8BD707-D9CF-40AE-B4C6-C98DA3205C09}" type="datetimeFigureOut">
               <a:rPr lang="en-US" smtClean="0"/>
               <a:pPr/>
-              <a:t>6/7/2016</a:t>
+              <a:t>6/8/2016</a:t>
             </a:fld>
             <a:endParaRPr lang="en-US" dirty="0"/>
           </a:p>
@@ -2801,7 +2801,7 @@
             <a:fld id="{1D8BD707-D9CF-40AE-B4C6-C98DA3205C09}" type="datetimeFigureOut">
               <a:rPr lang="en-US" smtClean="0"/>
               <a:pPr/>
-              <a:t>6/7/2016</a:t>
+              <a:t>6/8/2016</a:t>
             </a:fld>
             <a:endParaRPr lang="en-US" dirty="0"/>
           </a:p>
@@ -3080,7 +3080,7 @@
             <a:fld id="{1D8BD707-D9CF-40AE-B4C6-C98DA3205C09}" type="datetimeFigureOut">
               <a:rPr lang="en-US" smtClean="0"/>
               <a:pPr/>
-              <a:t>6/7/2016</a:t>
+              <a:t>6/8/2016</a:t>
             </a:fld>
             <a:endParaRPr lang="en-US" dirty="0"/>
           </a:p>
@@ -3335,7 +3335,7 @@
             <a:fld id="{1D8BD707-D9CF-40AE-B4C6-C98DA3205C09}" type="datetimeFigureOut">
               <a:rPr lang="en-US" smtClean="0"/>
               <a:pPr/>
-              <a:t>6/7/2016</a:t>
+              <a:t>6/8/2016</a:t>
             </a:fld>
             <a:endParaRPr lang="en-US" dirty="0"/>
           </a:p>
@@ -3550,7 +3550,7 @@
             <a:fld id="{1D8BD707-D9CF-40AE-B4C6-C98DA3205C09}" type="datetimeFigureOut">
               <a:rPr lang="en-US" smtClean="0"/>
               <a:pPr/>
-              <a:t>6/7/2016</a:t>
+              <a:t>6/8/2016</a:t>
             </a:fld>
             <a:endParaRPr lang="en-US" dirty="0"/>
           </a:p>
@@ -4109,7 +4109,7 @@
           <a:p>
             <a:r>
               <a:rPr lang="en-US" sz="1200" dirty="0" smtClean="0"/>
-              <a:t>6.Either </a:t>
+              <a:t>Either </a:t>
             </a:r>
             <a:r>
               <a:rPr lang="en-US" sz="1200" dirty="0"/>
@@ -4157,7 +4157,6 @@
               <a:rPr lang="en-US" sz="1200" dirty="0"/>
               <a:t>As in above example code, logging and throwing will result in multiple log messages in log files, for a single problem in the code, and makes life hell for the engineer who is trying to dig through the logs.</a:t>
             </a:r>
-            <a:endParaRPr lang="en-US" sz="1200" dirty="0"/>
           </a:p>
         </p:txBody>
       </p:sp>
@@ -4356,7 +4355,6 @@
               <a:rPr lang="en-US" sz="1200" dirty="0"/>
               <a:t>}</a:t>
             </a:r>
-            <a:endParaRPr lang="en-US" sz="1200" dirty="0"/>
           </a:p>
           <a:p>
             <a:pPr fontAlgn="base"/>
@@ -4408,7 +4406,7 @@
           <a:p>
             <a:r>
               <a:rPr lang="en-US" sz="1200" dirty="0" smtClean="0"/>
-              <a:t>7.Never </a:t>
+              <a:t>Never </a:t>
             </a:r>
             <a:r>
               <a:rPr lang="en-US" sz="1200" dirty="0"/>
@@ -4456,7 +4454,6 @@
               <a:rPr lang="en-US" sz="1200" dirty="0"/>
               <a:t>This is fine, as long as cleanUp() can never throw any exception. In the above example, if someMethod() throws an exception, and in the finally block also, cleanUp() throws an exception, that second exception will come out of method and the original first exception (correct reason) will be lost forever. If the code that you call in a finally block can possibly throw an exception, make sure that you either handle it, or log it. Never let it come out of the finally block.</a:t>
             </a:r>
-            <a:endParaRPr lang="en-US" sz="1200" dirty="0"/>
           </a:p>
         </p:txBody>
       </p:sp>
@@ -4620,7 +4617,6 @@
               <a:rPr lang="en-US" sz="1200" dirty="0"/>
               <a:t>}</a:t>
             </a:r>
-            <a:endParaRPr lang="en-US" sz="1200" dirty="0"/>
           </a:p>
           <a:p>
             <a:endParaRPr lang="en-US" sz="1200" dirty="0" smtClean="0"/>
@@ -4668,7 +4664,7 @@
           <a:p>
             <a:r>
               <a:rPr lang="en-US" sz="1200" dirty="0" smtClean="0"/>
-              <a:t>8.Always </a:t>
+              <a:t>Always </a:t>
             </a:r>
             <a:r>
               <a:rPr lang="en-US" sz="1200" dirty="0"/>
@@ -4716,7 +4712,6 @@
               <a:rPr lang="en-US" sz="1200" dirty="0"/>
               <a:t>Well this is most important concept. Don’t catch any exception just for the sake of catching it. Catch any exception only if you want to handle it or, you want to provide additional contextual information in that exception. If you can’t handle it in catch block, then best advice is just don’t catch it only to re-throw it.</a:t>
             </a:r>
-            <a:endParaRPr lang="en-US" sz="1200" dirty="0"/>
           </a:p>
         </p:txBody>
       </p:sp>
@@ -4845,7 +4840,7 @@
           <a:p>
             <a:r>
               <a:rPr lang="en-US" sz="1200" dirty="0" smtClean="0"/>
-              <a:t>9.Don’t </a:t>
+              <a:t>Don’t </a:t>
             </a:r>
             <a:r>
               <a:rPr lang="en-US" sz="1200" dirty="0"/>
@@ -4893,7 +4888,6 @@
               <a:rPr lang="en-US" sz="1200" dirty="0"/>
               <a:t>Never leave printStackTrace() after finishing your code. Chances are one of your fellow colleague will get one of those stack traces eventually, and have exactly zero knowledge as to what to do with it because it will not have any contextual information appended to it.</a:t>
             </a:r>
-            <a:endParaRPr lang="en-US" sz="1200" dirty="0"/>
           </a:p>
         </p:txBody>
       </p:sp>
@@ -5073,7 +5067,6 @@
               <a:rPr lang="en-US" sz="1200" dirty="0"/>
               <a:t>}</a:t>
             </a:r>
-            <a:endParaRPr lang="en-US" sz="1200" dirty="0"/>
           </a:p>
         </p:txBody>
       </p:sp>
@@ -5114,7 +5107,7 @@
           <a:p>
             <a:r>
               <a:rPr lang="en-US" sz="1200" dirty="0" smtClean="0"/>
-              <a:t>10.Use </a:t>
+              <a:t>Use </a:t>
             </a:r>
             <a:r>
               <a:rPr lang="en-US" sz="1200" dirty="0"/>
@@ -5162,7 +5155,6 @@
               <a:rPr lang="en-US" sz="1200" dirty="0"/>
               <a:t>This is also a good practice. If inside your method you are accessing some method 2, and method 2 throw some exception which you do not want to handle in method 1, but still want some cleanup in case exception occur, then do this cleanup in finally block. Do not use catch block.</a:t>
             </a:r>
-            <a:endParaRPr lang="en-US" sz="1200" dirty="0"/>
           </a:p>
         </p:txBody>
       </p:sp>
